--- a/Files/Lab_2022_TGenPS.pptx
+++ b/Files/Lab_2022_TGenPS.pptx
@@ -491,7 +491,7 @@
           <a:p>
             <a:fld id="{32AFF1D0-B9FF-4F3A-B764-A5A733F0C172}" type="datetimeFigureOut">
               <a:rPr lang="en-GB" smtClean="0"/>
-              <a:t>28/03/2022</a:t>
+              <a:t>09/04/2022</a:t>
             </a:fld>
             <a:endParaRPr lang="en-GB"/>
           </a:p>
@@ -985,7 +985,7 @@
           <a:p>
             <a:fld id="{2277EA89-912C-45F4-8B20-E429B8284A28}" type="datetime1">
               <a:rPr lang="en-GB" smtClean="0"/>
-              <a:t>28/03/2022</a:t>
+              <a:t>09/04/2022</a:t>
             </a:fld>
             <a:endParaRPr lang="en-GB"/>
           </a:p>
@@ -1197,7 +1197,7 @@
           <a:p>
             <a:fld id="{4DCBDE21-810F-4A9B-B492-FC4BD70D4C9B}" type="datetime1">
               <a:rPr lang="en-GB" smtClean="0"/>
-              <a:t>28/03/2022</a:t>
+              <a:t>09/04/2022</a:t>
             </a:fld>
             <a:endParaRPr lang="en-GB"/>
           </a:p>
@@ -1457,7 +1457,7 @@
           <a:p>
             <a:fld id="{DD69967A-3FFA-4DB2-8354-5041A3CDBE77}" type="datetime1">
               <a:rPr lang="en-GB" smtClean="0"/>
-              <a:t>28/03/2022</a:t>
+              <a:t>09/04/2022</a:t>
             </a:fld>
             <a:endParaRPr lang="en-GB"/>
           </a:p>
@@ -1635,7 +1635,7 @@
           <a:p>
             <a:fld id="{1999657F-57B2-45D5-9010-8F2045A6CD2B}" type="datetime1">
               <a:rPr lang="en-GB" smtClean="0"/>
-              <a:t>28/03/2022</a:t>
+              <a:t>09/04/2022</a:t>
             </a:fld>
             <a:endParaRPr lang="en-GB"/>
           </a:p>
@@ -1982,7 +1982,7 @@
           <a:p>
             <a:fld id="{FF175AE7-CBA1-4AE6-9C8F-4AC2609504B3}" type="datetime1">
               <a:rPr lang="en-GB" smtClean="0"/>
-              <a:t>28/03/2022</a:t>
+              <a:t>09/04/2022</a:t>
             </a:fld>
             <a:endParaRPr lang="en-GB"/>
           </a:p>
@@ -2261,7 +2261,7 @@
           <a:p>
             <a:fld id="{FB8C0060-81A9-4360-BC01-272FDC9C49B5}" type="datetime1">
               <a:rPr lang="en-GB" smtClean="0"/>
-              <a:t>28/03/2022</a:t>
+              <a:t>09/04/2022</a:t>
             </a:fld>
             <a:endParaRPr lang="en-GB"/>
           </a:p>
@@ -2644,7 +2644,7 @@
           <a:p>
             <a:fld id="{A5C622FB-6001-4F6D-AEBD-B9DBA18C6CFE}" type="datetime1">
               <a:rPr lang="en-GB" smtClean="0"/>
-              <a:t>28/03/2022</a:t>
+              <a:t>09/04/2022</a:t>
             </a:fld>
             <a:endParaRPr lang="en-GB"/>
           </a:p>
@@ -2766,7 +2766,7 @@
           <a:p>
             <a:fld id="{E93213C8-490A-454B-A8DD-5BBEC44527DA}" type="datetime1">
               <a:rPr lang="en-GB" smtClean="0"/>
-              <a:t>28/03/2022</a:t>
+              <a:t>09/04/2022</a:t>
             </a:fld>
             <a:endParaRPr lang="en-GB"/>
           </a:p>
@@ -2941,7 +2941,7 @@
           <a:p>
             <a:fld id="{81B9402A-AF57-4BE7-8FF3-6718E311FA20}" type="datetime1">
               <a:rPr lang="en-GB" smtClean="0"/>
-              <a:t>28/03/2022</a:t>
+              <a:t>09/04/2022</a:t>
             </a:fld>
             <a:endParaRPr lang="en-GB"/>
           </a:p>
@@ -3299,7 +3299,7 @@
           <a:p>
             <a:fld id="{E7D7896C-D8CE-4A19-9F8E-76ED3D01E025}" type="datetime1">
               <a:rPr lang="en-GB" smtClean="0"/>
-              <a:t>28/03/2022</a:t>
+              <a:t>09/04/2022</a:t>
             </a:fld>
             <a:endParaRPr lang="en-GB"/>
           </a:p>
@@ -3685,7 +3685,7 @@
           <a:p>
             <a:fld id="{67EA87E3-3E6E-413C-B440-147BA18322F5}" type="datetime1">
               <a:rPr lang="en-GB" smtClean="0"/>
-              <a:t>28/03/2022</a:t>
+              <a:t>09/04/2022</a:t>
             </a:fld>
             <a:endParaRPr lang="en-GB"/>
           </a:p>
@@ -3976,7 +3976,7 @@
           <a:p>
             <a:fld id="{480346ED-DF5E-4ED3-9A8B-5683316CCCB8}" type="datetime1">
               <a:rPr lang="en-GB" smtClean="0"/>
-              <a:t>28/03/2022</a:t>
+              <a:t>09/04/2022</a:t>
             </a:fld>
             <a:endParaRPr lang="en-GB"/>
           </a:p>
@@ -7315,7 +7315,7 @@
             <p:spPr>
               <a:xfrm>
                 <a:off x="620972" y="1624084"/>
-                <a:ext cx="8557147" cy="3059427"/>
+                <a:ext cx="8557147" cy="3585597"/>
               </a:xfrm>
               <a:prstGeom prst="rect">
                 <a:avLst/>
@@ -7373,41 +7373,55 @@
                     <m:sSup>
                       <m:sSupPr>
                         <m:ctrlPr>
-                          <a:rPr lang="pl-PL" sz="1600" i="1"/>
+                          <a:rPr lang="pl-PL" sz="1600" i="1">
+                            <a:latin typeface="Cambria Math" panose="02040503050406030204" pitchFamily="18" charset="0"/>
+                          </a:rPr>
                         </m:ctrlPr>
                       </m:sSupPr>
                       <m:e>
                         <m:r>
-                          <a:rPr lang="pl-PL" sz="1600" i="1"/>
+                          <a:rPr lang="pl-PL" sz="1600" i="1">
+                            <a:latin typeface="Cambria Math" panose="02040503050406030204" pitchFamily="18" charset="0"/>
+                          </a:rPr>
                           <m:t>𝐾</m:t>
                         </m:r>
                       </m:e>
                       <m:sup>
                         <m:r>
-                          <a:rPr lang="pl-PL" sz="1600" i="1"/>
+                          <a:rPr lang="pl-PL" sz="1600" i="1">
+                            <a:latin typeface="Cambria Math" panose="02040503050406030204" pitchFamily="18" charset="0"/>
+                          </a:rPr>
                           <m:t>∗−</m:t>
                         </m:r>
                       </m:sup>
                     </m:sSup>
                     <m:r>
-                      <a:rPr lang="pl-PL" sz="1600" i="1"/>
+                      <a:rPr lang="pl-PL" sz="1600" i="1">
+                        <a:latin typeface="Cambria Math" panose="02040503050406030204" pitchFamily="18" charset="0"/>
+                      </a:rPr>
                       <m:t>→</m:t>
                     </m:r>
                     <m:sSup>
                       <m:sSupPr>
                         <m:ctrlPr>
-                          <a:rPr lang="pl-PL" sz="1600" i="1"/>
+                          <a:rPr lang="pl-PL" sz="1600" i="1">
+                            <a:latin typeface="Cambria Math" panose="02040503050406030204" pitchFamily="18" charset="0"/>
+                          </a:rPr>
                         </m:ctrlPr>
                       </m:sSupPr>
                       <m:e>
                         <m:r>
-                          <a:rPr lang="pl-PL" sz="1600" i="1"/>
+                          <a:rPr lang="pl-PL" sz="1600" i="1">
+                            <a:latin typeface="Cambria Math" panose="02040503050406030204" pitchFamily="18" charset="0"/>
+                          </a:rPr>
                           <m:t>𝐾</m:t>
                         </m:r>
                       </m:e>
                       <m:sup>
                         <m:r>
-                          <a:rPr lang="pl-PL" sz="1600" i="1"/>
+                          <a:rPr lang="pl-PL" sz="1600" i="1">
+                            <a:latin typeface="Cambria Math" panose="02040503050406030204" pitchFamily="18" charset="0"/>
+                          </a:rPr>
                           <m:t>−</m:t>
                         </m:r>
                       </m:sup>
@@ -7415,18 +7429,24 @@
                     <m:sSup>
                       <m:sSupPr>
                         <m:ctrlPr>
-                          <a:rPr lang="pl-PL" sz="1600" i="1"/>
+                          <a:rPr lang="pl-PL" sz="1600" i="1">
+                            <a:latin typeface="Cambria Math" panose="02040503050406030204" pitchFamily="18" charset="0"/>
+                          </a:rPr>
                         </m:ctrlPr>
                       </m:sSupPr>
                       <m:e>
                         <m:r>
-                          <a:rPr lang="pl-PL" sz="1600" i="1"/>
+                          <a:rPr lang="pl-PL" sz="1600" i="1">
+                            <a:latin typeface="Cambria Math" panose="02040503050406030204" pitchFamily="18" charset="0"/>
+                          </a:rPr>
                           <m:t>𝜋</m:t>
                         </m:r>
                       </m:e>
                       <m:sup>
                         <m:r>
-                          <a:rPr lang="pl-PL" sz="1600" i="1"/>
+                          <a:rPr lang="pl-PL" sz="1600" i="1">
+                            <a:latin typeface="Cambria Math" panose="02040503050406030204" pitchFamily="18" charset="0"/>
+                          </a:rPr>
                           <m:t>0</m:t>
                         </m:r>
                       </m:sup>
@@ -7663,6 +7683,72 @@
                 </a:pPr>
                 <a:r>
                   <a:rPr lang="pl-PL" sz="1600" dirty="0"/>
+                  <a:t>Powtórzyć  zadania 1-3, ale wygenerować 10 000 mezonów </a:t>
+                </a:r>
+                <a14:m>
+                  <m:oMath xmlns:m="http://schemas.openxmlformats.org/officeDocument/2006/math">
+                    <m:sSup>
+                      <m:sSupPr>
+                        <m:ctrlPr>
+                          <a:rPr lang="pl-PL" sz="1600" i="1" smtClean="0">
+                            <a:latin typeface="Cambria Math" panose="02040503050406030204" pitchFamily="18" charset="0"/>
+                          </a:rPr>
+                        </m:ctrlPr>
+                      </m:sSupPr>
+                      <m:e>
+                        <m:r>
+                          <a:rPr lang="pl-PL" sz="1600" i="1">
+                            <a:latin typeface="Cambria Math" panose="02040503050406030204" pitchFamily="18" charset="0"/>
+                          </a:rPr>
+                          <m:t>𝐾</m:t>
+                        </m:r>
+                      </m:e>
+                      <m:sup>
+                        <m:r>
+                          <a:rPr lang="pl-PL" sz="1600" i="1">
+                            <a:latin typeface="Cambria Math" panose="02040503050406030204" pitchFamily="18" charset="0"/>
+                          </a:rPr>
+                          <m:t>∗−</m:t>
+                        </m:r>
+                      </m:sup>
+                    </m:sSup>
+                  </m:oMath>
+                </a14:m>
+                <a:r>
+                  <a:rPr lang="pl-PL" sz="1600" dirty="0"/>
+                  <a:t> z pędem wylosowanym z rozkładu normalnego o średniej równej masie mezonu i </a:t>
+                </a:r>
+                <a14:m>
+                  <m:oMath xmlns:m="http://schemas.openxmlformats.org/officeDocument/2006/math">
+                    <m:r>
+                      <a:rPr lang="pl-PL" sz="1600" b="0" i="1" smtClean="0">
+                        <a:latin typeface="Cambria Math" panose="02040503050406030204" pitchFamily="18" charset="0"/>
+                      </a:rPr>
+                      <m:t>𝜎</m:t>
+                    </m:r>
+                    <m:r>
+                      <a:rPr lang="pl-PL" sz="1600" b="0" i="1" smtClean="0">
+                        <a:latin typeface="Cambria Math" panose="02040503050406030204" pitchFamily="18" charset="0"/>
+                      </a:rPr>
+                      <m:t>=25</m:t>
+                    </m:r>
+                  </m:oMath>
+                </a14:m>
+                <a:r>
+                  <a:rPr lang="pl-PL" sz="1600" dirty="0"/>
+                  <a:t> MeV.</a:t>
+                </a:r>
+              </a:p>
+              <a:p>
+                <a:pPr marL="342900" indent="-342900">
+                  <a:spcBef>
+                    <a:spcPts val="600"/>
+                  </a:spcBef>
+                  <a:buFont typeface="+mj-lt"/>
+                  <a:buAutoNum type="arabicPeriod"/>
+                </a:pPr>
+                <a:r>
+                  <a:rPr lang="pl-PL" sz="1600" dirty="0"/>
                   <a:t>*Narysować rozkłady energii dla 3-ciałowego rozpadu </a:t>
                 </a:r>
                 <a14:m>
@@ -7702,7 +7788,7 @@
             <p:spPr>
               <a:xfrm>
                 <a:off x="620972" y="1624084"/>
-                <a:ext cx="8557147" cy="3059427"/>
+                <a:ext cx="8557147" cy="3585597"/>
               </a:xfrm>
               <a:prstGeom prst="rect">
                 <a:avLst/>
@@ -7710,7 +7796,7 @@
               <a:blipFill>
                 <a:blip r:embed="rId3"/>
                 <a:stretch>
-                  <a:fillRect l="-427" t="-598" b="-398"/>
+                  <a:fillRect l="-427" t="-679" b="-1188"/>
                 </a:stretch>
               </a:blipFill>
             </p:spPr>

--- a/Files/Lab_2022_TGenPS.pptx
+++ b/Files/Lab_2022_TGenPS.pptx
@@ -120,295 +120,6 @@
 </p:presentation>
 </file>
 
-<file path=ppt/changesInfos/changesInfo1.xml><?xml version="1.0" encoding="utf-8"?>
-<pc:chgInfo xmlns:a="http://schemas.openxmlformats.org/drawingml/2006/main" xmlns:r="http://schemas.openxmlformats.org/officeDocument/2006/relationships" xmlns:ac="http://schemas.microsoft.com/office/drawing/2013/main/command" xmlns:pc="http://schemas.microsoft.com/office/powerpoint/2013/main/command">
-  <pc:docChgLst>
-    <pc:chgData name="Agnieszka Mucha" userId="5dbf54e08fa133c2" providerId="LiveId" clId="{AF28A1C2-63AF-471E-A697-A36A0205AA68}"/>
-    <pc:docChg chg="undo custSel addSld modSld">
-      <pc:chgData name="Agnieszka Mucha" userId="5dbf54e08fa133c2" providerId="LiveId" clId="{AF28A1C2-63AF-471E-A697-A36A0205AA68}" dt="2022-03-28T10:43:13.899" v="1219" actId="1076"/>
-      <pc:docMkLst>
-        <pc:docMk/>
-      </pc:docMkLst>
-      <pc:sldChg chg="addSp delSp modSp">
-        <pc:chgData name="Agnieszka Mucha" userId="5dbf54e08fa133c2" providerId="LiveId" clId="{AF28A1C2-63AF-471E-A697-A36A0205AA68}" dt="2022-03-28T09:55:06.882" v="6"/>
-        <pc:sldMkLst>
-          <pc:docMk/>
-          <pc:sldMk cId="2104836288" sldId="258"/>
-        </pc:sldMkLst>
-        <pc:spChg chg="del">
-          <ac:chgData name="Agnieszka Mucha" userId="5dbf54e08fa133c2" providerId="LiveId" clId="{AF28A1C2-63AF-471E-A697-A36A0205AA68}" dt="2022-03-28T09:55:02.223" v="5"/>
-          <ac:spMkLst>
-            <pc:docMk/>
-            <pc:sldMk cId="2104836288" sldId="258"/>
-            <ac:spMk id="3" creationId="{1184D0BF-7FAD-4C04-A9EA-A6D2A1812E20}"/>
-          </ac:spMkLst>
-        </pc:spChg>
-        <pc:spChg chg="add mod">
-          <ac:chgData name="Agnieszka Mucha" userId="5dbf54e08fa133c2" providerId="LiveId" clId="{AF28A1C2-63AF-471E-A697-A36A0205AA68}" dt="2022-03-28T09:55:06.882" v="6"/>
-          <ac:spMkLst>
-            <pc:docMk/>
-            <pc:sldMk cId="2104836288" sldId="258"/>
-            <ac:spMk id="19" creationId="{F9DAA49D-65B2-4065-A864-3B615F83E069}"/>
-          </ac:spMkLst>
-        </pc:spChg>
-      </pc:sldChg>
-      <pc:sldChg chg="addSp delSp modSp">
-        <pc:chgData name="Agnieszka Mucha" userId="5dbf54e08fa133c2" providerId="LiveId" clId="{AF28A1C2-63AF-471E-A697-A36A0205AA68}" dt="2022-03-28T10:05:12.120" v="202" actId="1076"/>
-        <pc:sldMkLst>
-          <pc:docMk/>
-          <pc:sldMk cId="1414929722" sldId="260"/>
-        </pc:sldMkLst>
-        <pc:spChg chg="mod">
-          <ac:chgData name="Agnieszka Mucha" userId="5dbf54e08fa133c2" providerId="LiveId" clId="{AF28A1C2-63AF-471E-A697-A36A0205AA68}" dt="2022-03-28T10:05:12.120" v="202" actId="1076"/>
-          <ac:spMkLst>
-            <pc:docMk/>
-            <pc:sldMk cId="1414929722" sldId="260"/>
-            <ac:spMk id="5" creationId="{FD46DE78-F8A9-49F9-B223-238D7B39EC0A}"/>
-          </ac:spMkLst>
-        </pc:spChg>
-        <pc:spChg chg="mod">
-          <ac:chgData name="Agnieszka Mucha" userId="5dbf54e08fa133c2" providerId="LiveId" clId="{AF28A1C2-63AF-471E-A697-A36A0205AA68}" dt="2022-03-28T09:59:26.133" v="37" actId="1076"/>
-          <ac:spMkLst>
-            <pc:docMk/>
-            <pc:sldMk cId="1414929722" sldId="260"/>
-            <ac:spMk id="6" creationId="{2EEAD46E-AC6A-4037-867D-42D14FEACBDC}"/>
-          </ac:spMkLst>
-        </pc:spChg>
-        <pc:spChg chg="add del mod">
-          <ac:chgData name="Agnieszka Mucha" userId="5dbf54e08fa133c2" providerId="LiveId" clId="{AF28A1C2-63AF-471E-A697-A36A0205AA68}" dt="2022-03-28T09:59:22.027" v="36"/>
-          <ac:spMkLst>
-            <pc:docMk/>
-            <pc:sldMk cId="1414929722" sldId="260"/>
-            <ac:spMk id="7" creationId="{0DCB1150-1F8E-4EC2-B751-B24FD0F7AE90}"/>
-          </ac:spMkLst>
-        </pc:spChg>
-        <pc:spChg chg="add mod">
-          <ac:chgData name="Agnieszka Mucha" userId="5dbf54e08fa133c2" providerId="LiveId" clId="{AF28A1C2-63AF-471E-A697-A36A0205AA68}" dt="2022-03-28T10:01:55.544" v="58" actId="1076"/>
-          <ac:spMkLst>
-            <pc:docMk/>
-            <pc:sldMk cId="1414929722" sldId="260"/>
-            <ac:spMk id="16" creationId="{52A153A8-994D-454E-B514-BB295F24F3FF}"/>
-          </ac:spMkLst>
-        </pc:spChg>
-        <pc:picChg chg="add del mod">
-          <ac:chgData name="Agnieszka Mucha" userId="5dbf54e08fa133c2" providerId="LiveId" clId="{AF28A1C2-63AF-471E-A697-A36A0205AA68}" dt="2022-03-28T09:59:17.554" v="34"/>
-          <ac:picMkLst>
-            <pc:docMk/>
-            <pc:sldMk cId="1414929722" sldId="260"/>
-            <ac:picMk id="2" creationId="{BE0FE219-B49F-4763-A973-07B28D969A3F}"/>
-          </ac:picMkLst>
-        </pc:picChg>
-        <pc:picChg chg="add del mod">
-          <ac:chgData name="Agnieszka Mucha" userId="5dbf54e08fa133c2" providerId="LiveId" clId="{AF28A1C2-63AF-471E-A697-A36A0205AA68}" dt="2022-03-28T09:59:19.541" v="35"/>
-          <ac:picMkLst>
-            <pc:docMk/>
-            <pc:sldMk cId="1414929722" sldId="260"/>
-            <ac:picMk id="14" creationId="{7D65CFCD-007A-4D8C-87E6-833379B5028B}"/>
-          </ac:picMkLst>
-        </pc:picChg>
-        <pc:picChg chg="add mod">
-          <ac:chgData name="Agnieszka Mucha" userId="5dbf54e08fa133c2" providerId="LiveId" clId="{AF28A1C2-63AF-471E-A697-A36A0205AA68}" dt="2022-03-28T10:01:53.218" v="57" actId="1076"/>
-          <ac:picMkLst>
-            <pc:docMk/>
-            <pc:sldMk cId="1414929722" sldId="260"/>
-            <ac:picMk id="15" creationId="{AA75382C-5C29-4DEA-AE53-EEEC38EEDF83}"/>
-          </ac:picMkLst>
-        </pc:picChg>
-      </pc:sldChg>
-      <pc:sldChg chg="addSp delSp modSp">
-        <pc:chgData name="Agnieszka Mucha" userId="5dbf54e08fa133c2" providerId="LiveId" clId="{AF28A1C2-63AF-471E-A697-A36A0205AA68}" dt="2022-03-28T10:43:13.899" v="1219" actId="1076"/>
-        <pc:sldMkLst>
-          <pc:docMk/>
-          <pc:sldMk cId="4176669827" sldId="261"/>
-        </pc:sldMkLst>
-        <pc:spChg chg="mod">
-          <ac:chgData name="Agnieszka Mucha" userId="5dbf54e08fa133c2" providerId="LiveId" clId="{AF28A1C2-63AF-471E-A697-A36A0205AA68}" dt="2022-03-28T10:34:04.034" v="1000" actId="164"/>
-          <ac:spMkLst>
-            <pc:docMk/>
-            <pc:sldMk cId="4176669827" sldId="261"/>
-            <ac:spMk id="2" creationId="{825F267D-7180-4999-B0E6-0BA274B6A704}"/>
-          </ac:spMkLst>
-        </pc:spChg>
-        <pc:spChg chg="mod ord">
-          <ac:chgData name="Agnieszka Mucha" userId="5dbf54e08fa133c2" providerId="LiveId" clId="{AF28A1C2-63AF-471E-A697-A36A0205AA68}" dt="2022-03-28T10:34:23.151" v="1005" actId="1076"/>
-          <ac:spMkLst>
-            <pc:docMk/>
-            <pc:sldMk cId="4176669827" sldId="261"/>
-            <ac:spMk id="3" creationId="{1184D0BF-7FAD-4C04-A9EA-A6D2A1812E20}"/>
-          </ac:spMkLst>
-        </pc:spChg>
-        <pc:spChg chg="add mod">
-          <ac:chgData name="Agnieszka Mucha" userId="5dbf54e08fa133c2" providerId="LiveId" clId="{AF28A1C2-63AF-471E-A697-A36A0205AA68}" dt="2022-03-28T10:43:09.072" v="1218" actId="12"/>
-          <ac:spMkLst>
-            <pc:docMk/>
-            <pc:sldMk cId="4176669827" sldId="261"/>
-            <ac:spMk id="5" creationId="{691ABA81-1ACF-44DB-8585-9423E24D9025}"/>
-          </ac:spMkLst>
-        </pc:spChg>
-        <pc:spChg chg="add mod">
-          <ac:chgData name="Agnieszka Mucha" userId="5dbf54e08fa133c2" providerId="LiveId" clId="{AF28A1C2-63AF-471E-A697-A36A0205AA68}" dt="2022-03-28T10:36:54.893" v="1033" actId="1076"/>
-          <ac:spMkLst>
-            <pc:docMk/>
-            <pc:sldMk cId="4176669827" sldId="261"/>
-            <ac:spMk id="7" creationId="{F6444B2E-32DE-4FA2-AD11-E3424BC36316}"/>
-          </ac:spMkLst>
-        </pc:spChg>
-        <pc:spChg chg="del">
-          <ac:chgData name="Agnieszka Mucha" userId="5dbf54e08fa133c2" providerId="LiveId" clId="{AF28A1C2-63AF-471E-A697-A36A0205AA68}" dt="2022-03-28T10:33:14.635" v="988"/>
-          <ac:spMkLst>
-            <pc:docMk/>
-            <pc:sldMk cId="4176669827" sldId="261"/>
-            <ac:spMk id="20" creationId="{E0FA14E3-A0AD-4368-B3A4-0B262481D1C1}"/>
-          </ac:spMkLst>
-        </pc:spChg>
-        <pc:spChg chg="del">
-          <ac:chgData name="Agnieszka Mucha" userId="5dbf54e08fa133c2" providerId="LiveId" clId="{AF28A1C2-63AF-471E-A697-A36A0205AA68}" dt="2022-03-28T10:33:11.865" v="987"/>
-          <ac:spMkLst>
-            <pc:docMk/>
-            <pc:sldMk cId="4176669827" sldId="261"/>
-            <ac:spMk id="21" creationId="{70983A60-A21A-4A26-B6FB-83E4899569C6}"/>
-          </ac:spMkLst>
-        </pc:spChg>
-        <pc:spChg chg="mod">
-          <ac:chgData name="Agnieszka Mucha" userId="5dbf54e08fa133c2" providerId="LiveId" clId="{AF28A1C2-63AF-471E-A697-A36A0205AA68}" dt="2022-03-28T10:34:04.034" v="1000" actId="164"/>
-          <ac:spMkLst>
-            <pc:docMk/>
-            <pc:sldMk cId="4176669827" sldId="261"/>
-            <ac:spMk id="22" creationId="{15EF99A9-6B91-4443-A66A-CCFE31EB22D9}"/>
-          </ac:spMkLst>
-        </pc:spChg>
-        <pc:spChg chg="add mod">
-          <ac:chgData name="Agnieszka Mucha" userId="5dbf54e08fa133c2" providerId="LiveId" clId="{AF28A1C2-63AF-471E-A697-A36A0205AA68}" dt="2022-03-28T10:43:13.899" v="1219" actId="1076"/>
-          <ac:spMkLst>
-            <pc:docMk/>
-            <pc:sldMk cId="4176669827" sldId="261"/>
-            <ac:spMk id="23" creationId="{31A10173-0099-4292-AF4F-42CD44EE6754}"/>
-          </ac:spMkLst>
-        </pc:spChg>
-        <pc:grpChg chg="add mod">
-          <ac:chgData name="Agnieszka Mucha" userId="5dbf54e08fa133c2" providerId="LiveId" clId="{AF28A1C2-63AF-471E-A697-A36A0205AA68}" dt="2022-03-28T10:31:17.040" v="895" actId="1076"/>
-          <ac:grpSpMkLst>
-            <pc:docMk/>
-            <pc:sldMk cId="4176669827" sldId="261"/>
-            <ac:grpSpMk id="4" creationId="{5E8ECFC8-575D-4788-B2EB-41B9E8DD519F}"/>
-          </ac:grpSpMkLst>
-        </pc:grpChg>
-        <pc:grpChg chg="add mod">
-          <ac:chgData name="Agnieszka Mucha" userId="5dbf54e08fa133c2" providerId="LiveId" clId="{AF28A1C2-63AF-471E-A697-A36A0205AA68}" dt="2022-03-28T10:34:10.018" v="1002" actId="14100"/>
-          <ac:grpSpMkLst>
-            <pc:docMk/>
-            <pc:sldMk cId="4176669827" sldId="261"/>
-            <ac:grpSpMk id="6" creationId="{C8C3B781-DF18-4352-B581-D227EAD6503D}"/>
-          </ac:grpSpMkLst>
-        </pc:grpChg>
-        <pc:grpChg chg="add del mod">
-          <ac:chgData name="Agnieszka Mucha" userId="5dbf54e08fa133c2" providerId="LiveId" clId="{AF28A1C2-63AF-471E-A697-A36A0205AA68}" dt="2022-03-28T10:33:14.635" v="988"/>
-          <ac:grpSpMkLst>
-            <pc:docMk/>
-            <pc:sldMk cId="4176669827" sldId="261"/>
-            <ac:grpSpMk id="19" creationId="{CDCA56D5-8DCD-4C5C-9E85-0F8B784973E2}"/>
-          </ac:grpSpMkLst>
-        </pc:grpChg>
-        <pc:picChg chg="mod">
-          <ac:chgData name="Agnieszka Mucha" userId="5dbf54e08fa133c2" providerId="LiveId" clId="{AF28A1C2-63AF-471E-A697-A36A0205AA68}" dt="2022-03-28T10:34:19.516" v="1004" actId="1076"/>
-          <ac:picMkLst>
-            <pc:docMk/>
-            <pc:sldMk cId="4176669827" sldId="261"/>
-            <ac:picMk id="15" creationId="{6E7763E8-7352-44E7-995A-662EFB65AE82}"/>
-          </ac:picMkLst>
-        </pc:picChg>
-      </pc:sldChg>
-      <pc:sldChg chg="addSp delSp modSp add">
-        <pc:chgData name="Agnieszka Mucha" userId="5dbf54e08fa133c2" providerId="LiveId" clId="{AF28A1C2-63AF-471E-A697-A36A0205AA68}" dt="2022-03-28T09:59:55.846" v="42"/>
-        <pc:sldMkLst>
-          <pc:docMk/>
-          <pc:sldMk cId="690842030" sldId="262"/>
-        </pc:sldMkLst>
-        <pc:spChg chg="del">
-          <ac:chgData name="Agnieszka Mucha" userId="5dbf54e08fa133c2" providerId="LiveId" clId="{AF28A1C2-63AF-471E-A697-A36A0205AA68}" dt="2022-03-28T09:59:32.478" v="38"/>
-          <ac:spMkLst>
-            <pc:docMk/>
-            <pc:sldMk cId="690842030" sldId="262"/>
-            <ac:spMk id="5" creationId="{FD46DE78-F8A9-49F9-B223-238D7B39EC0A}"/>
-          </ac:spMkLst>
-        </pc:spChg>
-        <pc:spChg chg="del">
-          <ac:chgData name="Agnieszka Mucha" userId="5dbf54e08fa133c2" providerId="LiveId" clId="{AF28A1C2-63AF-471E-A697-A36A0205AA68}" dt="2022-03-28T09:59:55.846" v="42"/>
-          <ac:spMkLst>
-            <pc:docMk/>
-            <pc:sldMk cId="690842030" sldId="262"/>
-            <ac:spMk id="6" creationId="{2EEAD46E-AC6A-4037-867D-42D14FEACBDC}"/>
-          </ac:spMkLst>
-        </pc:spChg>
-        <pc:picChg chg="add mod">
-          <ac:chgData name="Agnieszka Mucha" userId="5dbf54e08fa133c2" providerId="LiveId" clId="{AF28A1C2-63AF-471E-A697-A36A0205AA68}" dt="2022-03-28T09:59:52.878" v="41" actId="1076"/>
-          <ac:picMkLst>
-            <pc:docMk/>
-            <pc:sldMk cId="690842030" sldId="262"/>
-            <ac:picMk id="3" creationId="{A44DE67D-306D-49ED-8D06-B9E87559CD0B}"/>
-          </ac:picMkLst>
-        </pc:picChg>
-      </pc:sldChg>
-      <pc:sldChg chg="addSp delSp modSp add">
-        <pc:chgData name="Agnieszka Mucha" userId="5dbf54e08fa133c2" providerId="LiveId" clId="{AF28A1C2-63AF-471E-A697-A36A0205AA68}" dt="2022-03-28T10:42:34.568" v="1216" actId="20577"/>
-        <pc:sldMkLst>
-          <pc:docMk/>
-          <pc:sldMk cId="3087586268" sldId="263"/>
-        </pc:sldMkLst>
-        <pc:spChg chg="add del mod">
-          <ac:chgData name="Agnieszka Mucha" userId="5dbf54e08fa133c2" providerId="LiveId" clId="{AF28A1C2-63AF-471E-A697-A36A0205AA68}" dt="2022-03-28T10:01:36.266" v="49"/>
-          <ac:spMkLst>
-            <pc:docMk/>
-            <pc:sldMk cId="3087586268" sldId="263"/>
-            <ac:spMk id="5" creationId="{BD3318B6-91EE-4C60-820C-642B0001D318}"/>
-          </ac:spMkLst>
-        </pc:spChg>
-        <pc:spChg chg="add mod">
-          <ac:chgData name="Agnieszka Mucha" userId="5dbf54e08fa133c2" providerId="LiveId" clId="{AF28A1C2-63AF-471E-A697-A36A0205AA68}" dt="2022-03-28T10:02:14.810" v="74" actId="20577"/>
-          <ac:spMkLst>
-            <pc:docMk/>
-            <pc:sldMk cId="3087586268" sldId="263"/>
-            <ac:spMk id="6" creationId="{8F0CAD70-8DCC-4B24-A2E5-3517C252AB51}"/>
-          </ac:spMkLst>
-        </pc:spChg>
-        <pc:spChg chg="add mod">
-          <ac:chgData name="Agnieszka Mucha" userId="5dbf54e08fa133c2" providerId="LiveId" clId="{AF28A1C2-63AF-471E-A697-A36A0205AA68}" dt="2022-03-28T10:42:34.568" v="1216" actId="20577"/>
-          <ac:spMkLst>
-            <pc:docMk/>
-            <pc:sldMk cId="3087586268" sldId="263"/>
-            <ac:spMk id="7" creationId="{75189DC3-4CE7-476A-98FF-191348B6AFF3}"/>
-          </ac:spMkLst>
-        </pc:spChg>
-        <pc:spChg chg="add mod">
-          <ac:chgData name="Agnieszka Mucha" userId="5dbf54e08fa133c2" providerId="LiveId" clId="{AF28A1C2-63AF-471E-A697-A36A0205AA68}" dt="2022-03-28T10:37:44.221" v="1040" actId="688"/>
-          <ac:spMkLst>
-            <pc:docMk/>
-            <pc:sldMk cId="3087586268" sldId="263"/>
-            <ac:spMk id="8" creationId="{0D6376E9-02ED-4E48-8526-01B4245EE577}"/>
-          </ac:spMkLst>
-        </pc:spChg>
-        <pc:picChg chg="add del mod">
-          <ac:chgData name="Agnieszka Mucha" userId="5dbf54e08fa133c2" providerId="LiveId" clId="{AF28A1C2-63AF-471E-A697-A36A0205AA68}" dt="2022-03-28T10:01:36.266" v="49"/>
-          <ac:picMkLst>
-            <pc:docMk/>
-            <pc:sldMk cId="3087586268" sldId="263"/>
-            <ac:picMk id="4" creationId="{D48E6BD2-40D9-4FA9-9F1F-ECBA8FA21482}"/>
-          </ac:picMkLst>
-        </pc:picChg>
-        <pc:picChg chg="add mod ord">
-          <ac:chgData name="Agnieszka Mucha" userId="5dbf54e08fa133c2" providerId="LiveId" clId="{AF28A1C2-63AF-471E-A697-A36A0205AA68}" dt="2022-03-28T10:37:47.309" v="1041" actId="1076"/>
-          <ac:picMkLst>
-            <pc:docMk/>
-            <pc:sldMk cId="3087586268" sldId="263"/>
-            <ac:picMk id="2050" creationId="{2BE07F37-3DBE-4E08-B4B0-52E472648B76}"/>
-          </ac:picMkLst>
-        </pc:picChg>
-      </pc:sldChg>
-    </pc:docChg>
-  </pc:docChgLst>
-</pc:chgInfo>
-</file>
-
 <file path=ppt/notesMasters/notesMaster1.xml><?xml version="1.0" encoding="utf-8"?>
 <p:notesMaster xmlns:a="http://schemas.openxmlformats.org/drawingml/2006/main" xmlns:r="http://schemas.openxmlformats.org/officeDocument/2006/relationships" xmlns:p="http://schemas.openxmlformats.org/presentationml/2006/main">
   <p:cSld>
@@ -491,7 +202,7 @@
           <a:p>
             <a:fld id="{32AFF1D0-B9FF-4F3A-B764-A5A733F0C172}" type="datetimeFigureOut">
               <a:rPr lang="en-GB" smtClean="0"/>
-              <a:t>09/04/2022</a:t>
+              <a:t>10/04/2022</a:t>
             </a:fld>
             <a:endParaRPr lang="en-GB"/>
           </a:p>
@@ -985,7 +696,7 @@
           <a:p>
             <a:fld id="{2277EA89-912C-45F4-8B20-E429B8284A28}" type="datetime1">
               <a:rPr lang="en-GB" smtClean="0"/>
-              <a:t>09/04/2022</a:t>
+              <a:t>10/04/2022</a:t>
             </a:fld>
             <a:endParaRPr lang="en-GB"/>
           </a:p>
@@ -1197,7 +908,7 @@
           <a:p>
             <a:fld id="{4DCBDE21-810F-4A9B-B492-FC4BD70D4C9B}" type="datetime1">
               <a:rPr lang="en-GB" smtClean="0"/>
-              <a:t>09/04/2022</a:t>
+              <a:t>10/04/2022</a:t>
             </a:fld>
             <a:endParaRPr lang="en-GB"/>
           </a:p>
@@ -1457,7 +1168,7 @@
           <a:p>
             <a:fld id="{DD69967A-3FFA-4DB2-8354-5041A3CDBE77}" type="datetime1">
               <a:rPr lang="en-GB" smtClean="0"/>
-              <a:t>09/04/2022</a:t>
+              <a:t>10/04/2022</a:t>
             </a:fld>
             <a:endParaRPr lang="en-GB"/>
           </a:p>
@@ -1635,7 +1346,7 @@
           <a:p>
             <a:fld id="{1999657F-57B2-45D5-9010-8F2045A6CD2B}" type="datetime1">
               <a:rPr lang="en-GB" smtClean="0"/>
-              <a:t>09/04/2022</a:t>
+              <a:t>10/04/2022</a:t>
             </a:fld>
             <a:endParaRPr lang="en-GB"/>
           </a:p>
@@ -1982,7 +1693,7 @@
           <a:p>
             <a:fld id="{FF175AE7-CBA1-4AE6-9C8F-4AC2609504B3}" type="datetime1">
               <a:rPr lang="en-GB" smtClean="0"/>
-              <a:t>09/04/2022</a:t>
+              <a:t>10/04/2022</a:t>
             </a:fld>
             <a:endParaRPr lang="en-GB"/>
           </a:p>
@@ -2261,7 +1972,7 @@
           <a:p>
             <a:fld id="{FB8C0060-81A9-4360-BC01-272FDC9C49B5}" type="datetime1">
               <a:rPr lang="en-GB" smtClean="0"/>
-              <a:t>09/04/2022</a:t>
+              <a:t>10/04/2022</a:t>
             </a:fld>
             <a:endParaRPr lang="en-GB"/>
           </a:p>
@@ -2644,7 +2355,7 @@
           <a:p>
             <a:fld id="{A5C622FB-6001-4F6D-AEBD-B9DBA18C6CFE}" type="datetime1">
               <a:rPr lang="en-GB" smtClean="0"/>
-              <a:t>09/04/2022</a:t>
+              <a:t>10/04/2022</a:t>
             </a:fld>
             <a:endParaRPr lang="en-GB"/>
           </a:p>
@@ -2766,7 +2477,7 @@
           <a:p>
             <a:fld id="{E93213C8-490A-454B-A8DD-5BBEC44527DA}" type="datetime1">
               <a:rPr lang="en-GB" smtClean="0"/>
-              <a:t>09/04/2022</a:t>
+              <a:t>10/04/2022</a:t>
             </a:fld>
             <a:endParaRPr lang="en-GB"/>
           </a:p>
@@ -2941,7 +2652,7 @@
           <a:p>
             <a:fld id="{81B9402A-AF57-4BE7-8FF3-6718E311FA20}" type="datetime1">
               <a:rPr lang="en-GB" smtClean="0"/>
-              <a:t>09/04/2022</a:t>
+              <a:t>10/04/2022</a:t>
             </a:fld>
             <a:endParaRPr lang="en-GB"/>
           </a:p>
@@ -3299,7 +3010,7 @@
           <a:p>
             <a:fld id="{E7D7896C-D8CE-4A19-9F8E-76ED3D01E025}" type="datetime1">
               <a:rPr lang="en-GB" smtClean="0"/>
-              <a:t>09/04/2022</a:t>
+              <a:t>10/04/2022</a:t>
             </a:fld>
             <a:endParaRPr lang="en-GB"/>
           </a:p>
@@ -3685,7 +3396,7 @@
           <a:p>
             <a:fld id="{67EA87E3-3E6E-413C-B440-147BA18322F5}" type="datetime1">
               <a:rPr lang="en-GB" smtClean="0"/>
-              <a:t>09/04/2022</a:t>
+              <a:t>10/04/2022</a:t>
             </a:fld>
             <a:endParaRPr lang="en-GB"/>
           </a:p>
@@ -3976,7 +3687,7 @@
           <a:p>
             <a:fld id="{480346ED-DF5E-4ED3-9A8B-5683316CCCB8}" type="datetime1">
               <a:rPr lang="en-GB" smtClean="0"/>
-              <a:t>09/04/2022</a:t>
+              <a:t>10/04/2022</a:t>
             </a:fld>
             <a:endParaRPr lang="en-GB"/>
           </a:p>
@@ -7222,7 +6933,7 @@
         <p:spPr>
           <a:xfrm>
             <a:off x="3686185" y="599160"/>
-            <a:ext cx="3294813" cy="461665"/>
+            <a:ext cx="3139321" cy="461665"/>
           </a:xfrm>
           <a:prstGeom prst="rect">
             <a:avLst/>
@@ -7241,7 +6952,7 @@
                   <a:schemeClr val="accent1"/>
                 </a:solidFill>
               </a:rPr>
-              <a:t>Laboratorium 1 - zadanie</a:t>
+              <a:t>Laboratorium - zadanie</a:t>
             </a:r>
             <a:endParaRPr lang="en-GB" sz="2400" dirty="0">
               <a:solidFill>
@@ -7298,8 +7009,8 @@
           </a:extLst>
         </p:spPr>
       </p:pic>
-      <mc:AlternateContent xmlns:mc="http://schemas.openxmlformats.org/markup-compatibility/2006">
-        <mc:Choice xmlns:a14="http://schemas.microsoft.com/office/drawing/2010/main" Requires="a14">
+      <mc:AlternateContent xmlns:mc="http://schemas.openxmlformats.org/markup-compatibility/2006" xmlns:a14="http://schemas.microsoft.com/office/drawing/2010/main">
+        <mc:Choice Requires="a14">
           <p:sp>
             <p:nvSpPr>
               <p:cNvPr id="7" name="pole tekstowe 6">
@@ -7314,8 +7025,8 @@
             </p:nvSpPr>
             <p:spPr>
               <a:xfrm>
-                <a:off x="620972" y="1624084"/>
-                <a:ext cx="8557147" cy="3585597"/>
+                <a:off x="783342" y="1391332"/>
+                <a:ext cx="8557147" cy="4478149"/>
               </a:xfrm>
               <a:prstGeom prst="rect">
                 <a:avLst/>
@@ -7573,7 +7284,35 @@
                 </a:pPr>
                 <a:r>
                   <a:rPr lang="pl-PL" sz="1600" dirty="0"/>
-                  <a:t>Narysować histogramy następujących parametrów cząstek końcowych (w układzie cząstki rozpadającej się i w układzie detektora):</a:t>
+                  <a:t>Narysować histogramy  prędkości </a:t>
+                </a:r>
+                <a14:m>
+                  <m:oMath xmlns:m="http://schemas.openxmlformats.org/officeDocument/2006/math">
+                    <m:r>
+                      <a:rPr lang="pl-PL" sz="1600" b="0" i="1" smtClean="0">
+                        <a:latin typeface="Cambria Math" panose="02040503050406030204" pitchFamily="18" charset="0"/>
+                      </a:rPr>
+                      <m:t>𝛽</m:t>
+                    </m:r>
+                  </m:oMath>
+                </a14:m>
+                <a:r>
+                  <a:rPr lang="pl-PL" sz="1600" dirty="0"/>
+                  <a:t> i czynnika Lorentza </a:t>
+                </a:r>
+                <a14:m>
+                  <m:oMath xmlns:m="http://schemas.openxmlformats.org/officeDocument/2006/math">
+                    <m:r>
+                      <a:rPr lang="pl-PL" sz="1600" b="0" i="1" smtClean="0">
+                        <a:latin typeface="Cambria Math" panose="02040503050406030204" pitchFamily="18" charset="0"/>
+                      </a:rPr>
+                      <m:t>𝛾</m:t>
+                    </m:r>
+                  </m:oMath>
+                </a14:m>
+                <a:r>
+                  <a:rPr lang="pl-PL" sz="1600" dirty="0"/>
+                  <a:t> oraz następujących parametrów cząstek końcowych (w układzie cząstki rozpadającej się i w układzie detektora):</a:t>
                 </a:r>
               </a:p>
               <a:p>
@@ -7661,16 +7400,16 @@
                 </a:r>
               </a:p>
               <a:p>
-                <a:pPr marL="342900" indent="-342900">
+                <a:pPr marL="800100" lvl="1" indent="-342900">
                   <a:spcBef>
                     <a:spcPts val="600"/>
                   </a:spcBef>
                   <a:buFont typeface="+mj-lt"/>
-                  <a:buAutoNum type="arabicPeriod"/>
+                  <a:buAutoNum type="alphaLcParenR"/>
                 </a:pPr>
                 <a:r>
                   <a:rPr lang="pl-PL" sz="1600" dirty="0"/>
-                  <a:t>Zbadać zależność kątów produkcji cząstek-potomków w laboratorium od pędu cząstki- rodzica. Np. narysować funkcję lub dwuwymiarowy histogram. </a:t>
+                  <a:t>kąt pomiędzy potomkami,</a:t>
                 </a:r>
               </a:p>
               <a:p>
@@ -7683,7 +7422,31 @@
                 </a:pPr>
                 <a:r>
                   <a:rPr lang="pl-PL" sz="1600" dirty="0"/>
-                  <a:t>Powtórzyć  zadania 1-3, ale wygenerować 10 000 mezonów </a:t>
+                  <a:t>Zbadać zależność kątów produkcji cząstek-potomków w laboratorium od pędu cząstki- rodzica. Np. narysować funkcję lub dwuwymiarowy histogram lub </a:t>
+                </a:r>
+                <a:r>
+                  <a:rPr lang="pl-PL" sz="1600" dirty="0" err="1">
+                    <a:latin typeface="Courier New" panose="02070309020205020404" pitchFamily="49" charset="0"/>
+                    <a:cs typeface="Courier New" panose="02070309020205020404" pitchFamily="49" charset="0"/>
+                  </a:rPr>
+                  <a:t>TGraph</a:t>
+                </a:r>
+                <a:r>
+                  <a:rPr lang="pl-PL" sz="1600" dirty="0"/>
+                  <a:t>. </a:t>
+                </a:r>
+              </a:p>
+              <a:p>
+                <a:pPr marL="342900" indent="-342900">
+                  <a:spcBef>
+                    <a:spcPts val="600"/>
+                  </a:spcBef>
+                  <a:buFont typeface="+mj-lt"/>
+                  <a:buAutoNum type="arabicPeriod"/>
+                </a:pPr>
+                <a:r>
+                  <a:rPr lang="pl-PL" sz="1600" dirty="0"/>
+                  <a:t>Powtórzyć  zadania 1-3, ale wygenerować milion mezonów </a:t>
                 </a:r>
                 <a14:m>
                   <m:oMath xmlns:m="http://schemas.openxmlformats.org/officeDocument/2006/math">
@@ -7716,7 +7479,15 @@
                 </a14:m>
                 <a:r>
                   <a:rPr lang="pl-PL" sz="1600" dirty="0"/>
-                  <a:t> z pędem wylosowanym z rozkładu normalnego o średniej równej masie mezonu i </a:t>
+                  <a:t> z pędem wylosowanym z rozkładu normalnego o średniej równej zadanemu pędowi 5.5 </a:t>
+                </a:r>
+                <a:r>
+                  <a:rPr lang="pl-PL" sz="1600" dirty="0" err="1"/>
+                  <a:t>GeV</a:t>
+                </a:r>
+                <a:r>
+                  <a:rPr lang="pl-PL" sz="1600" dirty="0"/>
+                  <a:t> mezonu i </a:t>
                 </a:r>
                 <a14:m>
                   <m:oMath xmlns:m="http://schemas.openxmlformats.org/officeDocument/2006/math">
@@ -7736,7 +7507,36 @@
                 </a14:m>
                 <a:r>
                   <a:rPr lang="pl-PL" sz="1600" dirty="0"/>
-                  <a:t> MeV.</a:t>
+                  <a:t> </a:t>
+                </a:r>
+                <a:r>
+                  <a:rPr lang="pl-PL" sz="1600" dirty="0" err="1"/>
+                  <a:t>MeV</a:t>
+                </a:r>
+                <a:r>
+                  <a:rPr lang="pl-PL" sz="1600" dirty="0"/>
+                  <a:t>. </a:t>
+                </a:r>
+              </a:p>
+              <a:p>
+                <a:pPr marL="342900" indent="-342900">
+                  <a:spcBef>
+                    <a:spcPts val="600"/>
+                  </a:spcBef>
+                  <a:buFont typeface="+mj-lt"/>
+                  <a:buAutoNum type="arabicPeriod"/>
+                </a:pPr>
+                <a:r>
+                  <a:rPr lang="pl-PL" sz="1600" dirty="0"/>
+                  <a:t>Porównać wyniki punktu 4 przy, gdy w detektorze rejestrować można jedynie pędy poprzeczne powyżej 500 </a:t>
+                </a:r>
+                <a:r>
+                  <a:rPr lang="pl-PL" sz="1600" dirty="0" err="1"/>
+                  <a:t>MeV</a:t>
+                </a:r>
+                <a:r>
+                  <a:rPr lang="pl-PL" sz="1600" dirty="0"/>
+                  <a:t> (wartość do ustalenia).</a:t>
                 </a:r>
               </a:p>
               <a:p>
@@ -7770,7 +7570,7 @@
             </p:txBody>
           </p:sp>
         </mc:Choice>
-        <mc:Fallback>
+        <mc:Fallback xmlns="">
           <p:sp>
             <p:nvSpPr>
               <p:cNvPr id="7" name="pole tekstowe 6">
@@ -7787,8 +7587,8 @@
             </p:nvSpPr>
             <p:spPr>
               <a:xfrm>
-                <a:off x="620972" y="1624084"/>
-                <a:ext cx="8557147" cy="3585597"/>
+                <a:off x="783342" y="1391332"/>
+                <a:ext cx="8557147" cy="4478149"/>
               </a:xfrm>
               <a:prstGeom prst="rect">
                 <a:avLst/>
@@ -7796,7 +7596,7 @@
               <a:blipFill>
                 <a:blip r:embed="rId3"/>
                 <a:stretch>
-                  <a:fillRect l="-427" t="-679" b="-1188"/>
+                  <a:fillRect l="-428" t="-544" r="-570" b="-816"/>
                 </a:stretch>
               </a:blipFill>
             </p:spPr>
